--- a/PROJECT/REPORT/GAMA_Presentation.pptx
+++ b/PROJECT/REPORT/GAMA_Presentation.pptx
@@ -4139,36 +4139,6 @@
           </a:p>
         </p:txBody>
       </p:sp>
-      <p:pic>
-        <p:nvPicPr>
-          <p:cNvPr id="8" name="Picture 7">
-            <a:extLst>
-              <a:ext uri="{FF2B5EF4-FFF2-40B4-BE49-F238E27FC236}">
-                <a16:creationId xmlns:a16="http://schemas.microsoft.com/office/drawing/2014/main" id="{E11FD862-CA31-49CF-BF73-F8A0B1961AE1}"/>
-              </a:ext>
-            </a:extLst>
-          </p:cNvPr>
-          <p:cNvPicPr>
-            <a:picLocks noChangeAspect="1"/>
-          </p:cNvPicPr>
-          <p:nvPr/>
-        </p:nvPicPr>
-        <p:blipFill>
-          <a:blip r:embed="rId2"/>
-          <a:stretch>
-            <a:fillRect/>
-          </a:stretch>
-        </p:blipFill>
-        <p:spPr>
-          <a:xfrm>
-            <a:off x="551676" y="1209712"/>
-            <a:ext cx="11088647" cy="4438575"/>
-          </a:xfrm>
-          <a:prstGeom prst="rect">
-            <a:avLst/>
-          </a:prstGeom>
-        </p:spPr>
-      </p:pic>
       <p:sp>
         <p:nvSpPr>
           <p:cNvPr id="12" name="Title 1">
@@ -4228,7 +4198,7 @@
           <p:nvPr/>
         </p:nvPicPr>
         <p:blipFill>
-          <a:blip r:embed="rId3">
+          <a:blip r:embed="rId2">
             <a:extLst>
               <a:ext uri="{28A0092B-C50C-407E-A947-70E740481C1C}">
                 <a14:useLocalDpi xmlns:a14="http://schemas.microsoft.com/office/drawing/2010/main" val="0"/>
@@ -4243,6 +4213,36 @@
           <a:xfrm>
             <a:off x="11061576" y="0"/>
             <a:ext cx="1084449" cy="466123"/>
+          </a:xfrm>
+          <a:prstGeom prst="rect">
+            <a:avLst/>
+          </a:prstGeom>
+        </p:spPr>
+      </p:pic>
+      <p:pic>
+        <p:nvPicPr>
+          <p:cNvPr id="3" name="Picture 2">
+            <a:extLst>
+              <a:ext uri="{FF2B5EF4-FFF2-40B4-BE49-F238E27FC236}">
+                <a16:creationId xmlns:a16="http://schemas.microsoft.com/office/drawing/2014/main" id="{4B5F8E06-797E-4551-966D-0C7E250CFFD6}"/>
+              </a:ext>
+            </a:extLst>
+          </p:cNvPr>
+          <p:cNvPicPr>
+            <a:picLocks noChangeAspect="1"/>
+          </p:cNvPicPr>
+          <p:nvPr/>
+        </p:nvPicPr>
+        <p:blipFill>
+          <a:blip r:embed="rId3"/>
+          <a:stretch>
+            <a:fillRect/>
+          </a:stretch>
+        </p:blipFill>
+        <p:spPr>
+          <a:xfrm>
+            <a:off x="677662" y="566894"/>
+            <a:ext cx="10836675" cy="5789456"/>
           </a:xfrm>
           <a:prstGeom prst="rect">
             <a:avLst/>
@@ -6747,36 +6747,6 @@
           </a:p>
         </p:txBody>
       </p:sp>
-      <p:pic>
-        <p:nvPicPr>
-          <p:cNvPr id="10" name="Picture 9">
-            <a:extLst>
-              <a:ext uri="{FF2B5EF4-FFF2-40B4-BE49-F238E27FC236}">
-                <a16:creationId xmlns:a16="http://schemas.microsoft.com/office/drawing/2014/main" id="{142FA2D8-DD83-4516-A29C-B87D112142B4}"/>
-              </a:ext>
-            </a:extLst>
-          </p:cNvPr>
-          <p:cNvPicPr>
-            <a:picLocks noChangeAspect="1"/>
-          </p:cNvPicPr>
-          <p:nvPr/>
-        </p:nvPicPr>
-        <p:blipFill>
-          <a:blip r:embed="rId2"/>
-          <a:stretch>
-            <a:fillRect/>
-          </a:stretch>
-        </p:blipFill>
-        <p:spPr>
-          <a:xfrm>
-            <a:off x="5946614" y="849561"/>
-            <a:ext cx="5407186" cy="5395021"/>
-          </a:xfrm>
-          <a:prstGeom prst="rect">
-            <a:avLst/>
-          </a:prstGeom>
-        </p:spPr>
-      </p:pic>
       <p:sp>
         <p:nvSpPr>
           <p:cNvPr id="18" name="Title 1">
@@ -6836,7 +6806,7 @@
           <p:nvPr/>
         </p:nvPicPr>
         <p:blipFill>
-          <a:blip r:embed="rId3">
+          <a:blip r:embed="rId2">
             <a:extLst>
               <a:ext uri="{28A0092B-C50C-407E-A947-70E740481C1C}">
                 <a14:useLocalDpi xmlns:a14="http://schemas.microsoft.com/office/drawing/2010/main" val="0"/>
@@ -7144,6 +7114,36 @@
           </a:p>
         </p:txBody>
       </p:sp>
+      <p:pic>
+        <p:nvPicPr>
+          <p:cNvPr id="7" name="Picture 6">
+            <a:extLst>
+              <a:ext uri="{FF2B5EF4-FFF2-40B4-BE49-F238E27FC236}">
+                <a16:creationId xmlns:a16="http://schemas.microsoft.com/office/drawing/2014/main" id="{13160017-C9BD-4BFF-A5F5-A4DD486C5FA1}"/>
+              </a:ext>
+            </a:extLst>
+          </p:cNvPr>
+          <p:cNvPicPr>
+            <a:picLocks noChangeAspect="1"/>
+          </p:cNvPicPr>
+          <p:nvPr/>
+        </p:nvPicPr>
+        <p:blipFill>
+          <a:blip r:embed="rId3"/>
+          <a:stretch>
+            <a:fillRect/>
+          </a:stretch>
+        </p:blipFill>
+        <p:spPr>
+          <a:xfrm>
+            <a:off x="5946615" y="837390"/>
+            <a:ext cx="5407185" cy="5419363"/>
+          </a:xfrm>
+          <a:prstGeom prst="rect">
+            <a:avLst/>
+          </a:prstGeom>
+        </p:spPr>
+      </p:pic>
     </p:spTree>
     <p:extLst>
       <p:ext uri="{BB962C8B-B14F-4D97-AF65-F5344CB8AC3E}">
@@ -7232,36 +7232,6 @@
           </a:p>
         </p:txBody>
       </p:sp>
-      <p:pic>
-        <p:nvPicPr>
-          <p:cNvPr id="8" name="Picture 7">
-            <a:extLst>
-              <a:ext uri="{FF2B5EF4-FFF2-40B4-BE49-F238E27FC236}">
-                <a16:creationId xmlns:a16="http://schemas.microsoft.com/office/drawing/2014/main" id="{1DCD2061-B26F-4FB1-BFCB-481892F72250}"/>
-              </a:ext>
-            </a:extLst>
-          </p:cNvPr>
-          <p:cNvPicPr>
-            <a:picLocks noChangeAspect="1"/>
-          </p:cNvPicPr>
-          <p:nvPr/>
-        </p:nvPicPr>
-        <p:blipFill>
-          <a:blip r:embed="rId2"/>
-          <a:stretch>
-            <a:fillRect/>
-          </a:stretch>
-        </p:blipFill>
-        <p:spPr>
-          <a:xfrm>
-            <a:off x="594945" y="1134344"/>
-            <a:ext cx="11002109" cy="4589312"/>
-          </a:xfrm>
-          <a:prstGeom prst="rect">
-            <a:avLst/>
-          </a:prstGeom>
-        </p:spPr>
-      </p:pic>
       <p:sp>
         <p:nvSpPr>
           <p:cNvPr id="12" name="Title 1">
@@ -7321,7 +7291,7 @@
           <p:nvPr/>
         </p:nvPicPr>
         <p:blipFill>
-          <a:blip r:embed="rId3">
+          <a:blip r:embed="rId2">
             <a:extLst>
               <a:ext uri="{28A0092B-C50C-407E-A947-70E740481C1C}">
                 <a14:useLocalDpi xmlns:a14="http://schemas.microsoft.com/office/drawing/2010/main" val="0"/>
@@ -7336,6 +7306,36 @@
           <a:xfrm>
             <a:off x="11061576" y="0"/>
             <a:ext cx="1084449" cy="466123"/>
+          </a:xfrm>
+          <a:prstGeom prst="rect">
+            <a:avLst/>
+          </a:prstGeom>
+        </p:spPr>
+      </p:pic>
+      <p:pic>
+        <p:nvPicPr>
+          <p:cNvPr id="7" name="Picture 6">
+            <a:extLst>
+              <a:ext uri="{FF2B5EF4-FFF2-40B4-BE49-F238E27FC236}">
+                <a16:creationId xmlns:a16="http://schemas.microsoft.com/office/drawing/2014/main" id="{C7D75207-E427-429D-AE60-30FB1EE99187}"/>
+              </a:ext>
+            </a:extLst>
+          </p:cNvPr>
+          <p:cNvPicPr>
+            <a:picLocks noChangeAspect="1"/>
+          </p:cNvPicPr>
+          <p:nvPr/>
+        </p:nvPicPr>
+        <p:blipFill>
+          <a:blip r:embed="rId3"/>
+          <a:stretch>
+            <a:fillRect/>
+          </a:stretch>
+        </p:blipFill>
+        <p:spPr>
+          <a:xfrm>
+            <a:off x="501588" y="585594"/>
+            <a:ext cx="11188823" cy="5686812"/>
           </a:xfrm>
           <a:prstGeom prst="rect">
             <a:avLst/>
@@ -7430,36 +7430,6 @@
           </a:p>
         </p:txBody>
       </p:sp>
-      <p:pic>
-        <p:nvPicPr>
-          <p:cNvPr id="9" name="Picture 8">
-            <a:extLst>
-              <a:ext uri="{FF2B5EF4-FFF2-40B4-BE49-F238E27FC236}">
-                <a16:creationId xmlns:a16="http://schemas.microsoft.com/office/drawing/2014/main" id="{06F37FA3-ABEF-440B-A9D5-64936A50C0D4}"/>
-              </a:ext>
-            </a:extLst>
-          </p:cNvPr>
-          <p:cNvPicPr>
-            <a:picLocks noChangeAspect="1"/>
-          </p:cNvPicPr>
-          <p:nvPr/>
-        </p:nvPicPr>
-        <p:blipFill>
-          <a:blip r:embed="rId2"/>
-          <a:stretch>
-            <a:fillRect/>
-          </a:stretch>
-        </p:blipFill>
-        <p:spPr>
-          <a:xfrm>
-            <a:off x="793065" y="827755"/>
-            <a:ext cx="10605870" cy="5166962"/>
-          </a:xfrm>
-          <a:prstGeom prst="rect">
-            <a:avLst/>
-          </a:prstGeom>
-        </p:spPr>
-      </p:pic>
       <p:sp>
         <p:nvSpPr>
           <p:cNvPr id="12" name="Title 1">
@@ -7519,7 +7489,7 @@
           <p:nvPr/>
         </p:nvPicPr>
         <p:blipFill>
-          <a:blip r:embed="rId3">
+          <a:blip r:embed="rId2">
             <a:extLst>
               <a:ext uri="{28A0092B-C50C-407E-A947-70E740481C1C}">
                 <a14:useLocalDpi xmlns:a14="http://schemas.microsoft.com/office/drawing/2010/main" val="0"/>
@@ -7534,6 +7504,36 @@
           <a:xfrm>
             <a:off x="11061576" y="0"/>
             <a:ext cx="1084449" cy="466123"/>
+          </a:xfrm>
+          <a:prstGeom prst="rect">
+            <a:avLst/>
+          </a:prstGeom>
+        </p:spPr>
+      </p:pic>
+      <p:pic>
+        <p:nvPicPr>
+          <p:cNvPr id="10" name="Picture 9">
+            <a:extLst>
+              <a:ext uri="{FF2B5EF4-FFF2-40B4-BE49-F238E27FC236}">
+                <a16:creationId xmlns:a16="http://schemas.microsoft.com/office/drawing/2014/main" id="{3B80B131-4128-4DE9-99D8-C52A3696DDDE}"/>
+              </a:ext>
+            </a:extLst>
+          </p:cNvPr>
+          <p:cNvPicPr>
+            <a:picLocks noChangeAspect="1"/>
+          </p:cNvPicPr>
+          <p:nvPr/>
+        </p:nvPicPr>
+        <p:blipFill>
+          <a:blip r:embed="rId3"/>
+          <a:stretch>
+            <a:fillRect/>
+          </a:stretch>
+        </p:blipFill>
+        <p:spPr>
+          <a:xfrm>
+            <a:off x="774577" y="623302"/>
+            <a:ext cx="10642846" cy="5847541"/>
           </a:xfrm>
           <a:prstGeom prst="rect">
             <a:avLst/>
@@ -7628,36 +7628,6 @@
           </a:p>
         </p:txBody>
       </p:sp>
-      <p:pic>
-        <p:nvPicPr>
-          <p:cNvPr id="8" name="Picture 7">
-            <a:extLst>
-              <a:ext uri="{FF2B5EF4-FFF2-40B4-BE49-F238E27FC236}">
-                <a16:creationId xmlns:a16="http://schemas.microsoft.com/office/drawing/2014/main" id="{B64DEE14-E93F-4A38-A1ED-B18596DE5E45}"/>
-              </a:ext>
-            </a:extLst>
-          </p:cNvPr>
-          <p:cNvPicPr>
-            <a:picLocks noChangeAspect="1"/>
-          </p:cNvPicPr>
-          <p:nvPr/>
-        </p:nvPicPr>
-        <p:blipFill>
-          <a:blip r:embed="rId2"/>
-          <a:stretch>
-            <a:fillRect/>
-          </a:stretch>
-        </p:blipFill>
-        <p:spPr>
-          <a:xfrm>
-            <a:off x="5956915" y="782138"/>
-            <a:ext cx="5503783" cy="5529867"/>
-          </a:xfrm>
-          <a:prstGeom prst="rect">
-            <a:avLst/>
-          </a:prstGeom>
-        </p:spPr>
-      </p:pic>
       <p:sp>
         <p:nvSpPr>
           <p:cNvPr id="12" name="Title 1">
@@ -7717,7 +7687,7 @@
           <p:nvPr/>
         </p:nvPicPr>
         <p:blipFill>
-          <a:blip r:embed="rId3">
+          <a:blip r:embed="rId2">
             <a:extLst>
               <a:ext uri="{28A0092B-C50C-407E-A947-70E740481C1C}">
                 <a14:useLocalDpi xmlns:a14="http://schemas.microsoft.com/office/drawing/2010/main" val="0"/>
@@ -8035,6 +8005,36 @@
           </a:p>
         </p:txBody>
       </p:sp>
+      <p:pic>
+        <p:nvPicPr>
+          <p:cNvPr id="7" name="Picture 6">
+            <a:extLst>
+              <a:ext uri="{FF2B5EF4-FFF2-40B4-BE49-F238E27FC236}">
+                <a16:creationId xmlns:a16="http://schemas.microsoft.com/office/drawing/2014/main" id="{BD4FF099-DC25-4098-8381-5DAA0879A799}"/>
+              </a:ext>
+            </a:extLst>
+          </p:cNvPr>
+          <p:cNvPicPr>
+            <a:picLocks noChangeAspect="1"/>
+          </p:cNvPicPr>
+          <p:nvPr/>
+        </p:nvPicPr>
+        <p:blipFill>
+          <a:blip r:embed="rId3"/>
+          <a:stretch>
+            <a:fillRect/>
+          </a:stretch>
+        </p:blipFill>
+        <p:spPr>
+          <a:xfrm>
+            <a:off x="5823933" y="782138"/>
+            <a:ext cx="5529867" cy="5529867"/>
+          </a:xfrm>
+          <a:prstGeom prst="rect">
+            <a:avLst/>
+          </a:prstGeom>
+        </p:spPr>
+      </p:pic>
     </p:spTree>
     <p:extLst>
       <p:ext uri="{BB962C8B-B14F-4D97-AF65-F5344CB8AC3E}">
@@ -8123,36 +8123,6 @@
           </a:p>
         </p:txBody>
       </p:sp>
-      <p:pic>
-        <p:nvPicPr>
-          <p:cNvPr id="9" name="Picture 8">
-            <a:extLst>
-              <a:ext uri="{FF2B5EF4-FFF2-40B4-BE49-F238E27FC236}">
-                <a16:creationId xmlns:a16="http://schemas.microsoft.com/office/drawing/2014/main" id="{4E1F6C89-4A6E-4BBB-84D1-9A8A1CFC1927}"/>
-              </a:ext>
-            </a:extLst>
-          </p:cNvPr>
-          <p:cNvPicPr>
-            <a:picLocks noChangeAspect="1"/>
-          </p:cNvPicPr>
-          <p:nvPr/>
-        </p:nvPicPr>
-        <p:blipFill>
-          <a:blip r:embed="rId2"/>
-          <a:stretch>
-            <a:fillRect/>
-          </a:stretch>
-        </p:blipFill>
-        <p:spPr>
-          <a:xfrm>
-            <a:off x="232101" y="1338094"/>
-            <a:ext cx="11727798" cy="4181811"/>
-          </a:xfrm>
-          <a:prstGeom prst="rect">
-            <a:avLst/>
-          </a:prstGeom>
-        </p:spPr>
-      </p:pic>
       <p:sp>
         <p:nvSpPr>
           <p:cNvPr id="12" name="Title 1">
@@ -8212,7 +8182,7 @@
           <p:nvPr/>
         </p:nvPicPr>
         <p:blipFill>
-          <a:blip r:embed="rId3">
+          <a:blip r:embed="rId2">
             <a:extLst>
               <a:ext uri="{28A0092B-C50C-407E-A947-70E740481C1C}">
                 <a14:useLocalDpi xmlns:a14="http://schemas.microsoft.com/office/drawing/2010/main" val="0"/>
@@ -8227,6 +8197,36 @@
           <a:xfrm>
             <a:off x="11061576" y="0"/>
             <a:ext cx="1084449" cy="466123"/>
+          </a:xfrm>
+          <a:prstGeom prst="rect">
+            <a:avLst/>
+          </a:prstGeom>
+        </p:spPr>
+      </p:pic>
+      <p:pic>
+        <p:nvPicPr>
+          <p:cNvPr id="3" name="Picture 2">
+            <a:extLst>
+              <a:ext uri="{FF2B5EF4-FFF2-40B4-BE49-F238E27FC236}">
+                <a16:creationId xmlns:a16="http://schemas.microsoft.com/office/drawing/2014/main" id="{EAF99C6A-CF63-4307-8CDB-FF999E213295}"/>
+              </a:ext>
+            </a:extLst>
+          </p:cNvPr>
+          <p:cNvPicPr>
+            <a:picLocks noChangeAspect="1"/>
+          </p:cNvPicPr>
+          <p:nvPr/>
+        </p:nvPicPr>
+        <p:blipFill>
+          <a:blip r:embed="rId3"/>
+          <a:stretch>
+            <a:fillRect/>
+          </a:stretch>
+        </p:blipFill>
+        <p:spPr>
+          <a:xfrm>
+            <a:off x="346229" y="824066"/>
+            <a:ext cx="11499542" cy="5209868"/>
           </a:xfrm>
           <a:prstGeom prst="rect">
             <a:avLst/>

--- a/PROJECT/REPORT/GAMA_Presentation.pptx
+++ b/PROJECT/REPORT/GAMA_Presentation.pptx
@@ -226,7 +226,7 @@
           <a:p>
             <a:fld id="{952492A8-22CB-4331-AD3D-3BEC0118166F}" type="datetimeFigureOut">
               <a:rPr lang="en-US" smtClean="0"/>
-              <a:t>1/12/2025</a:t>
+              <a:t>1/13/2025</a:t>
             </a:fld>
             <a:endParaRPr lang="en-US"/>
           </a:p>
@@ -404,7 +404,7 @@
           <a:p>
             <a:fld id="{CFC5E11D-CF65-4591-B848-CC18A35D62A0}" type="datetimeFigureOut">
               <a:rPr lang="en-US" smtClean="0"/>
-              <a:t>1/12/2025</a:t>
+              <a:t>1/13/2025</a:t>
             </a:fld>
             <a:endParaRPr lang="en-US"/>
           </a:p>
@@ -3961,42 +3961,6 @@
               <a:rPr lang="en-US" dirty="0"/>
               <a:t>Modeling and Simulation of Complex Systems</a:t>
             </a:r>
-          </a:p>
-          <a:p>
-            <a:r>
-              <a:rPr lang="en-US" sz="1800" dirty="0"/>
-              <a:t>Lecturer: Prof. Alexis </a:t>
-            </a:r>
-            <a:r>
-              <a:rPr lang="en-US" sz="1800" dirty="0" err="1"/>
-              <a:t>Drogoul</a:t>
-            </a:r>
-            <a:endParaRPr lang="en-US" sz="1800" dirty="0"/>
-          </a:p>
-          <a:p>
-            <a:r>
-              <a:rPr lang="en-US" sz="1800" dirty="0"/>
-              <a:t>Prog. Arnold </a:t>
-            </a:r>
-          </a:p>
-          <a:p>
-            <a:r>
-              <a:rPr lang="en-US" sz="1800" dirty="0"/>
-              <a:t>Prof. </a:t>
-            </a:r>
-            <a:r>
-              <a:rPr lang="en-US" sz="1800" dirty="0" err="1"/>
-              <a:t>Athur</a:t>
-            </a:r>
-            <a:r>
-              <a:rPr lang="en-US" sz="1800" dirty="0"/>
-              <a:t> </a:t>
-            </a:r>
-            <a:r>
-              <a:rPr lang="en-US" sz="1800" dirty="0" err="1"/>
-              <a:t>Bulgière</a:t>
-            </a:r>
-            <a:endParaRPr lang="en-US" sz="1800" dirty="0"/>
           </a:p>
           <a:p>
             <a:endParaRPr lang="en-US" sz="1800" dirty="0"/>

--- a/PROJECT/REPORT/GAMA_Presentation.pptx
+++ b/PROJECT/REPORT/GAMA_Presentation.pptx
@@ -5,27 +5,28 @@
     <p:sldMasterId id="2147483648" r:id="rId1"/>
   </p:sldMasterIdLst>
   <p:notesMasterIdLst>
-    <p:notesMasterId r:id="rId17"/>
+    <p:notesMasterId r:id="rId18"/>
   </p:notesMasterIdLst>
   <p:handoutMasterIdLst>
-    <p:handoutMasterId r:id="rId18"/>
+    <p:handoutMasterId r:id="rId19"/>
   </p:handoutMasterIdLst>
   <p:sldIdLst>
     <p:sldId id="256" r:id="rId2"/>
     <p:sldId id="259" r:id="rId3"/>
     <p:sldId id="260" r:id="rId4"/>
     <p:sldId id="261" r:id="rId5"/>
-    <p:sldId id="269" r:id="rId6"/>
-    <p:sldId id="271" r:id="rId7"/>
-    <p:sldId id="272" r:id="rId8"/>
-    <p:sldId id="270" r:id="rId9"/>
-    <p:sldId id="273" r:id="rId10"/>
-    <p:sldId id="274" r:id="rId11"/>
-    <p:sldId id="275" r:id="rId12"/>
-    <p:sldId id="276" r:id="rId13"/>
-    <p:sldId id="277" r:id="rId14"/>
-    <p:sldId id="266" r:id="rId15"/>
-    <p:sldId id="278" r:id="rId16"/>
+    <p:sldId id="279" r:id="rId6"/>
+    <p:sldId id="269" r:id="rId7"/>
+    <p:sldId id="271" r:id="rId8"/>
+    <p:sldId id="272" r:id="rId9"/>
+    <p:sldId id="270" r:id="rId10"/>
+    <p:sldId id="273" r:id="rId11"/>
+    <p:sldId id="274" r:id="rId12"/>
+    <p:sldId id="275" r:id="rId13"/>
+    <p:sldId id="276" r:id="rId14"/>
+    <p:sldId id="277" r:id="rId15"/>
+    <p:sldId id="266" r:id="rId16"/>
+    <p:sldId id="278" r:id="rId17"/>
   </p:sldIdLst>
   <p:sldSz cx="12192000" cy="6858000"/>
   <p:notesSz cx="6858000" cy="9144000"/>
@@ -670,6 +671,213 @@
     </a:lvl9pPr>
   </p:notesStyle>
 </p:notesMaster>
+</file>
+
+<file path=ppt/notesSlides/notesSlide1.xml><?xml version="1.0" encoding="utf-8"?>
+<p:notes xmlns:a="http://schemas.openxmlformats.org/drawingml/2006/main" xmlns:r="http://schemas.openxmlformats.org/officeDocument/2006/relationships" xmlns:p="http://schemas.openxmlformats.org/presentationml/2006/main">
+  <p:cSld>
+    <p:spTree>
+      <p:nvGrpSpPr>
+        <p:cNvPr id="1" name=""/>
+        <p:cNvGrpSpPr/>
+        <p:nvPr/>
+      </p:nvGrpSpPr>
+      <p:grpSpPr>
+        <a:xfrm>
+          <a:off x="0" y="0"/>
+          <a:ext cx="0" cy="0"/>
+          <a:chOff x="0" y="0"/>
+          <a:chExt cx="0" cy="0"/>
+        </a:xfrm>
+      </p:grpSpPr>
+      <p:sp>
+        <p:nvSpPr>
+          <p:cNvPr id="2" name="Slide Image Placeholder 1"/>
+          <p:cNvSpPr>
+            <a:spLocks noGrp="1" noRot="1" noChangeAspect="1"/>
+          </p:cNvSpPr>
+          <p:nvPr>
+            <p:ph type="sldImg"/>
+          </p:nvPr>
+        </p:nvSpPr>
+        <p:spPr/>
+      </p:sp>
+      <p:sp>
+        <p:nvSpPr>
+          <p:cNvPr id="3" name="Notes Placeholder 2"/>
+          <p:cNvSpPr>
+            <a:spLocks noGrp="1"/>
+          </p:cNvSpPr>
+          <p:nvPr>
+            <p:ph type="body" idx="1"/>
+          </p:nvPr>
+        </p:nvSpPr>
+        <p:spPr/>
+        <p:txBody>
+          <a:bodyPr/>
+          <a:lstStyle/>
+          <a:p>
+            <a:r>
+              <a:rPr lang="en-US" dirty="0"/>
+              <a:t>The Driftwood project explores self-regulating access to natural resources in a coastal environment, focusing on how social dynamics, enforcement mechanisms, and group behaviors influence resource management, where collectors compete for resources while navigating complex social and environmental constraints.</a:t>
+            </a:r>
+          </a:p>
+        </p:txBody>
+      </p:sp>
+      <p:sp>
+        <p:nvSpPr>
+          <p:cNvPr id="4" name="Slide Number Placeholder 3"/>
+          <p:cNvSpPr>
+            <a:spLocks noGrp="1"/>
+          </p:cNvSpPr>
+          <p:nvPr>
+            <p:ph type="sldNum" sz="quarter" idx="5"/>
+          </p:nvPr>
+        </p:nvSpPr>
+        <p:spPr/>
+        <p:txBody>
+          <a:bodyPr/>
+          <a:lstStyle/>
+          <a:p>
+            <a:fld id="{D9320DA7-545E-46DF-94EC-6AC45FE6C228}" type="slidenum">
+              <a:rPr lang="en-US" smtClean="0"/>
+              <a:t>3</a:t>
+            </a:fld>
+            <a:endParaRPr lang="en-US"/>
+          </a:p>
+        </p:txBody>
+      </p:sp>
+    </p:spTree>
+    <p:extLst>
+      <p:ext uri="{BB962C8B-B14F-4D97-AF65-F5344CB8AC3E}">
+        <p14:creationId xmlns:p14="http://schemas.microsoft.com/office/powerpoint/2010/main" val="1949287730"/>
+      </p:ext>
+    </p:extLst>
+  </p:cSld>
+  <p:clrMapOvr>
+    <a:masterClrMapping/>
+  </p:clrMapOvr>
+</p:notes>
+</file>
+
+<file path=ppt/notesSlides/notesSlide2.xml><?xml version="1.0" encoding="utf-8"?>
+<p:notes xmlns:a="http://schemas.openxmlformats.org/drawingml/2006/main" xmlns:r="http://schemas.openxmlformats.org/officeDocument/2006/relationships" xmlns:p="http://schemas.openxmlformats.org/presentationml/2006/main">
+  <p:cSld>
+    <p:spTree>
+      <p:nvGrpSpPr>
+        <p:cNvPr id="1" name=""/>
+        <p:cNvGrpSpPr/>
+        <p:nvPr/>
+      </p:nvGrpSpPr>
+      <p:grpSpPr>
+        <a:xfrm>
+          <a:off x="0" y="0"/>
+          <a:ext cx="0" cy="0"/>
+          <a:chOff x="0" y="0"/>
+          <a:chExt cx="0" cy="0"/>
+        </a:xfrm>
+      </p:grpSpPr>
+      <p:sp>
+        <p:nvSpPr>
+          <p:cNvPr id="2" name="Slide Image Placeholder 1"/>
+          <p:cNvSpPr>
+            <a:spLocks noGrp="1" noRot="1" noChangeAspect="1"/>
+          </p:cNvSpPr>
+          <p:nvPr>
+            <p:ph type="sldImg"/>
+          </p:nvPr>
+        </p:nvSpPr>
+        <p:spPr/>
+      </p:sp>
+      <p:sp>
+        <p:nvSpPr>
+          <p:cNvPr id="3" name="Notes Placeholder 2"/>
+          <p:cNvSpPr>
+            <a:spLocks noGrp="1"/>
+          </p:cNvSpPr>
+          <p:nvPr>
+            <p:ph type="body" idx="1"/>
+          </p:nvPr>
+        </p:nvSpPr>
+        <p:spPr/>
+        <p:txBody>
+          <a:bodyPr/>
+          <a:lstStyle/>
+          <a:p>
+            <a:r>
+              <a:rPr lang="en-US" dirty="0"/>
+              <a:t>The simulation environment represents a coastal area with three distinct zones:</a:t>
+            </a:r>
+          </a:p>
+          <a:p>
+            <a:pPr>
+              <a:buFont typeface="Arial" panose="020B0604020202020204" pitchFamily="34" charset="0"/>
+              <a:buChar char="•"/>
+            </a:pPr>
+            <a:r>
+              <a:rPr lang="en-US" dirty="0"/>
+              <a:t>Deep Sea Zone (20%): The primary source of driftwood, characterized by deep water and constant movement</a:t>
+            </a:r>
+          </a:p>
+          <a:p>
+            <a:pPr>
+              <a:buFont typeface="Arial" panose="020B0604020202020204" pitchFamily="34" charset="0"/>
+              <a:buChar char="•"/>
+            </a:pPr>
+            <a:r>
+              <a:rPr lang="en-US" dirty="0"/>
+              <a:t>Tidal Zone (20-65%): The transitional area where driftwood accumulates and moves with tides</a:t>
+            </a:r>
+          </a:p>
+          <a:p>
+            <a:pPr>
+              <a:buFont typeface="Arial" panose="020B0604020202020204" pitchFamily="34" charset="0"/>
+              <a:buChar char="•"/>
+            </a:pPr>
+            <a:r>
+              <a:rPr lang="en-US" dirty="0"/>
+              <a:t>Sandy Beach (65-100%): The collection area where piles are formed and maintained</a:t>
+            </a:r>
+          </a:p>
+          <a:p>
+            <a:endParaRPr lang="en-US" dirty="0"/>
+          </a:p>
+        </p:txBody>
+      </p:sp>
+      <p:sp>
+        <p:nvSpPr>
+          <p:cNvPr id="4" name="Slide Number Placeholder 3"/>
+          <p:cNvSpPr>
+            <a:spLocks noGrp="1"/>
+          </p:cNvSpPr>
+          <p:nvPr>
+            <p:ph type="sldNum" sz="quarter" idx="5"/>
+          </p:nvPr>
+        </p:nvSpPr>
+        <p:spPr/>
+        <p:txBody>
+          <a:bodyPr/>
+          <a:lstStyle/>
+          <a:p>
+            <a:fld id="{D9320DA7-545E-46DF-94EC-6AC45FE6C228}" type="slidenum">
+              <a:rPr lang="en-US" smtClean="0"/>
+              <a:t>4</a:t>
+            </a:fld>
+            <a:endParaRPr lang="en-US"/>
+          </a:p>
+        </p:txBody>
+      </p:sp>
+    </p:spTree>
+    <p:extLst>
+      <p:ext uri="{BB962C8B-B14F-4D97-AF65-F5344CB8AC3E}">
+        <p14:creationId xmlns:p14="http://schemas.microsoft.com/office/powerpoint/2010/main" val="4049403904"/>
+      </p:ext>
+    </p:extLst>
+  </p:cSld>
+  <p:clrMapOvr>
+    <a:masterClrMapping/>
+  </p:clrMapOvr>
+</p:notes>
 </file>
 
 <file path=ppt/slideLayouts/slideLayout1.xml><?xml version="1.0" encoding="utf-8"?>
@@ -4108,6 +4316,204 @@
           <p:cNvPr id="12" name="Title 1">
             <a:extLst>
               <a:ext uri="{FF2B5EF4-FFF2-40B4-BE49-F238E27FC236}">
+                <a16:creationId xmlns:a16="http://schemas.microsoft.com/office/drawing/2014/main" id="{6B9AA939-08B8-4A06-AFAD-28B1582048FA}"/>
+              </a:ext>
+            </a:extLst>
+          </p:cNvPr>
+          <p:cNvSpPr>
+            <a:spLocks noGrp="1"/>
+          </p:cNvSpPr>
+          <p:nvPr>
+            <p:ph type="title"/>
+          </p:nvPr>
+        </p:nvSpPr>
+        <p:spPr>
+          <a:xfrm>
+            <a:off x="269864" y="68261"/>
+            <a:ext cx="10515600" cy="669533"/>
+          </a:xfrm>
+        </p:spPr>
+        <p:txBody>
+          <a:bodyPr>
+            <a:normAutofit/>
+          </a:bodyPr>
+          <a:lstStyle/>
+          <a:p>
+            <a:r>
+              <a:rPr lang="en-US" sz="3200" b="1" kern="1200" dirty="0">
+                <a:solidFill>
+                  <a:srgbClr val="000000"/>
+                </a:solidFill>
+                <a:effectLst/>
+                <a:latin typeface="Calibri Light" panose="020F0302020204030204" pitchFamily="34" charset="0"/>
+                <a:ea typeface="+mj-ea"/>
+                <a:cs typeface="+mj-cs"/>
+              </a:rPr>
+              <a:t>Ext2: External Enforcement – Analysis </a:t>
+            </a:r>
+            <a:endParaRPr lang="en-US" sz="8800" b="1" dirty="0"/>
+          </a:p>
+        </p:txBody>
+      </p:sp>
+      <p:pic>
+        <p:nvPicPr>
+          <p:cNvPr id="13" name="Picture 12">
+            <a:extLst>
+              <a:ext uri="{FF2B5EF4-FFF2-40B4-BE49-F238E27FC236}">
+                <a16:creationId xmlns:a16="http://schemas.microsoft.com/office/drawing/2014/main" id="{2A259B3A-901E-4FCA-ADA9-56279C237D39}"/>
+              </a:ext>
+            </a:extLst>
+          </p:cNvPr>
+          <p:cNvPicPr>
+            <a:picLocks noChangeAspect="1"/>
+          </p:cNvPicPr>
+          <p:nvPr/>
+        </p:nvPicPr>
+        <p:blipFill>
+          <a:blip r:embed="rId2">
+            <a:extLst>
+              <a:ext uri="{28A0092B-C50C-407E-A947-70E740481C1C}">
+                <a14:useLocalDpi xmlns:a14="http://schemas.microsoft.com/office/drawing/2010/main" val="0"/>
+              </a:ext>
+            </a:extLst>
+          </a:blip>
+          <a:stretch>
+            <a:fillRect/>
+          </a:stretch>
+        </p:blipFill>
+        <p:spPr>
+          <a:xfrm>
+            <a:off x="11061576" y="0"/>
+            <a:ext cx="1084449" cy="466123"/>
+          </a:xfrm>
+          <a:prstGeom prst="rect">
+            <a:avLst/>
+          </a:prstGeom>
+        </p:spPr>
+      </p:pic>
+      <p:pic>
+        <p:nvPicPr>
+          <p:cNvPr id="3" name="Picture 2">
+            <a:extLst>
+              <a:ext uri="{FF2B5EF4-FFF2-40B4-BE49-F238E27FC236}">
+                <a16:creationId xmlns:a16="http://schemas.microsoft.com/office/drawing/2014/main" id="{EAF99C6A-CF63-4307-8CDB-FF999E213295}"/>
+              </a:ext>
+            </a:extLst>
+          </p:cNvPr>
+          <p:cNvPicPr>
+            <a:picLocks noChangeAspect="1"/>
+          </p:cNvPicPr>
+          <p:nvPr/>
+        </p:nvPicPr>
+        <p:blipFill>
+          <a:blip r:embed="rId3"/>
+          <a:stretch>
+            <a:fillRect/>
+          </a:stretch>
+        </p:blipFill>
+        <p:spPr>
+          <a:xfrm>
+            <a:off x="346229" y="824066"/>
+            <a:ext cx="11499542" cy="5209868"/>
+          </a:xfrm>
+          <a:prstGeom prst="rect">
+            <a:avLst/>
+          </a:prstGeom>
+        </p:spPr>
+      </p:pic>
+    </p:spTree>
+    <p:extLst>
+      <p:ext uri="{BB962C8B-B14F-4D97-AF65-F5344CB8AC3E}">
+        <p14:creationId xmlns:p14="http://schemas.microsoft.com/office/powerpoint/2010/main" val="2804726908"/>
+      </p:ext>
+    </p:extLst>
+  </p:cSld>
+  <p:clrMapOvr>
+    <a:masterClrMapping/>
+  </p:clrMapOvr>
+</p:sld>
+</file>
+
+<file path=ppt/slides/slide11.xml><?xml version="1.0" encoding="utf-8"?>
+<p:sld xmlns:a="http://schemas.openxmlformats.org/drawingml/2006/main" xmlns:r="http://schemas.openxmlformats.org/officeDocument/2006/relationships" xmlns:p="http://schemas.openxmlformats.org/presentationml/2006/main">
+  <p:cSld>
+    <p:spTree>
+      <p:nvGrpSpPr>
+        <p:cNvPr id="1" name=""/>
+        <p:cNvGrpSpPr/>
+        <p:nvPr/>
+      </p:nvGrpSpPr>
+      <p:grpSpPr>
+        <a:xfrm>
+          <a:off x="0" y="0"/>
+          <a:ext cx="0" cy="0"/>
+          <a:chOff x="0" y="0"/>
+          <a:chExt cx="0" cy="0"/>
+        </a:xfrm>
+      </p:grpSpPr>
+      <p:sp>
+        <p:nvSpPr>
+          <p:cNvPr id="4" name="Date Placeholder 3">
+            <a:extLst>
+              <a:ext uri="{FF2B5EF4-FFF2-40B4-BE49-F238E27FC236}">
+                <a16:creationId xmlns:a16="http://schemas.microsoft.com/office/drawing/2014/main" id="{FFF0597B-C9E6-49A5-9D56-ADDC58D697CB}"/>
+              </a:ext>
+            </a:extLst>
+          </p:cNvPr>
+          <p:cNvSpPr>
+            <a:spLocks noGrp="1"/>
+          </p:cNvSpPr>
+          <p:nvPr>
+            <p:ph type="dt" sz="half" idx="10"/>
+          </p:nvPr>
+        </p:nvSpPr>
+        <p:spPr/>
+        <p:txBody>
+          <a:bodyPr/>
+          <a:lstStyle/>
+          <a:p>
+            <a:fld id="{B273F60B-DA6F-4FD2-A119-A06A982246F2}" type="datetime6">
+              <a:rPr lang="en-US" smtClean="0"/>
+              <a:t>January 25</a:t>
+            </a:fld>
+            <a:endParaRPr lang="en-US"/>
+          </a:p>
+        </p:txBody>
+      </p:sp>
+      <p:sp>
+        <p:nvSpPr>
+          <p:cNvPr id="5" name="Slide Number Placeholder 4">
+            <a:extLst>
+              <a:ext uri="{FF2B5EF4-FFF2-40B4-BE49-F238E27FC236}">
+                <a16:creationId xmlns:a16="http://schemas.microsoft.com/office/drawing/2014/main" id="{A6212BA0-450C-441C-9AA8-8346EBF61034}"/>
+              </a:ext>
+            </a:extLst>
+          </p:cNvPr>
+          <p:cNvSpPr>
+            <a:spLocks noGrp="1"/>
+          </p:cNvSpPr>
+          <p:nvPr>
+            <p:ph type="sldNum" sz="quarter" idx="12"/>
+          </p:nvPr>
+        </p:nvSpPr>
+        <p:spPr/>
+        <p:txBody>
+          <a:bodyPr/>
+          <a:lstStyle/>
+          <a:p>
+            <a:fld id="{9EAF7D0F-23B8-4AC8-8A86-67C31C58A720}" type="slidenum">
+              <a:rPr lang="en-US" smtClean="0"/>
+              <a:t>11</a:t>
+            </a:fld>
+            <a:endParaRPr lang="en-US"/>
+          </a:p>
+        </p:txBody>
+      </p:sp>
+      <p:sp>
+        <p:nvSpPr>
+          <p:cNvPr id="12" name="Title 1">
+            <a:extLst>
+              <a:ext uri="{FF2B5EF4-FFF2-40B4-BE49-F238E27FC236}">
                 <a16:creationId xmlns:a16="http://schemas.microsoft.com/office/drawing/2014/main" id="{7981BFD1-25F9-4F8F-8FA7-328C90060B76}"/>
               </a:ext>
             </a:extLst>
@@ -4226,7 +4632,7 @@
 </p:sld>
 </file>
 
-<file path=ppt/slides/slide11.xml><?xml version="1.0" encoding="utf-8"?>
+<file path=ppt/slides/slide12.xml><?xml version="1.0" encoding="utf-8"?>
 <p:sld xmlns:a="http://schemas.openxmlformats.org/drawingml/2006/main" xmlns:r="http://schemas.openxmlformats.org/officeDocument/2006/relationships" xmlns:p="http://schemas.openxmlformats.org/presentationml/2006/main">
   <p:cSld>
     <p:spTree>
@@ -4295,7 +4701,7 @@
           <a:p>
             <a:fld id="{9EAF7D0F-23B8-4AC8-8A86-67C31C58A720}" type="slidenum">
               <a:rPr lang="en-US" smtClean="0"/>
-              <a:t>11</a:t>
+              <a:t>12</a:t>
             </a:fld>
             <a:endParaRPr lang="en-US"/>
           </a:p>
@@ -4721,7 +5127,7 @@
 </p:sld>
 </file>
 
-<file path=ppt/slides/slide12.xml><?xml version="1.0" encoding="utf-8"?>
+<file path=ppt/slides/slide13.xml><?xml version="1.0" encoding="utf-8"?>
 <p:sld xmlns:a="http://schemas.openxmlformats.org/drawingml/2006/main" xmlns:r="http://schemas.openxmlformats.org/officeDocument/2006/relationships" xmlns:p="http://schemas.openxmlformats.org/presentationml/2006/main">
   <p:cSld>
     <p:spTree>
@@ -4790,7 +5196,7 @@
           <a:p>
             <a:fld id="{9EAF7D0F-23B8-4AC8-8A86-67C31C58A720}" type="slidenum">
               <a:rPr lang="en-US" smtClean="0"/>
-              <a:t>12</a:t>
+              <a:t>13</a:t>
             </a:fld>
             <a:endParaRPr lang="en-US"/>
           </a:p>
@@ -4919,7 +5325,7 @@
 </p:sld>
 </file>
 
-<file path=ppt/slides/slide13.xml><?xml version="1.0" encoding="utf-8"?>
+<file path=ppt/slides/slide14.xml><?xml version="1.0" encoding="utf-8"?>
 <p:sld xmlns:a="http://schemas.openxmlformats.org/drawingml/2006/main" xmlns:r="http://schemas.openxmlformats.org/officeDocument/2006/relationships" xmlns:p="http://schemas.openxmlformats.org/presentationml/2006/main">
   <p:cSld>
     <p:spTree>
@@ -4988,7 +5394,7 @@
           <a:p>
             <a:fld id="{9EAF7D0F-23B8-4AC8-8A86-67C31C58A720}" type="slidenum">
               <a:rPr lang="en-US" smtClean="0"/>
-              <a:t>13</a:t>
+              <a:t>14</a:t>
             </a:fld>
             <a:endParaRPr lang="en-US"/>
           </a:p>
@@ -5117,7 +5523,7 @@
 </p:sld>
 </file>
 
-<file path=ppt/slides/slide14.xml><?xml version="1.0" encoding="utf-8"?>
+<file path=ppt/slides/slide15.xml><?xml version="1.0" encoding="utf-8"?>
 <p:sld xmlns:a="http://schemas.openxmlformats.org/drawingml/2006/main" xmlns:r="http://schemas.openxmlformats.org/officeDocument/2006/relationships" xmlns:p="http://schemas.openxmlformats.org/presentationml/2006/main">
   <p:cSld>
     <p:spTree>
@@ -5221,7 +5627,7 @@
           <a:p>
             <a:fld id="{9EAF7D0F-23B8-4AC8-8A86-67C31C58A720}" type="slidenum">
               <a:rPr lang="en-US" smtClean="0"/>
-              <a:t>14</a:t>
+              <a:t>15</a:t>
             </a:fld>
             <a:endParaRPr lang="en-US"/>
           </a:p>
@@ -5553,7 +5959,7 @@
 </p:sld>
 </file>
 
-<file path=ppt/slides/slide15.xml><?xml version="1.0" encoding="utf-8"?>
+<file path=ppt/slides/slide16.xml><?xml version="1.0" encoding="utf-8"?>
 <p:sld xmlns:a="http://schemas.openxmlformats.org/drawingml/2006/main" xmlns:r="http://schemas.openxmlformats.org/officeDocument/2006/relationships" xmlns:p="http://schemas.openxmlformats.org/presentationml/2006/main">
   <p:cSld>
     <p:spTree>
@@ -5658,7 +6064,7 @@
           <a:p>
             <a:fld id="{9EAF7D0F-23B8-4AC8-8A86-67C31C58A720}" type="slidenum">
               <a:rPr lang="en-US" smtClean="0"/>
-              <a:t>15</a:t>
+              <a:t>16</a:t>
             </a:fld>
             <a:endParaRPr lang="en-US"/>
           </a:p>
@@ -6000,7 +6406,7 @@
         </p:spPr>
         <p:txBody>
           <a:bodyPr>
-            <a:normAutofit lnSpcReduction="10000"/>
+            <a:normAutofit/>
           </a:bodyPr>
           <a:lstStyle/>
           <a:p>
@@ -6075,35 +6481,26 @@
             </a:r>
           </a:p>
           <a:p>
-            <a:pPr>
-              <a:buFont typeface="Arial" panose="020B0604020202020204" pitchFamily="34" charset="0"/>
-              <a:buChar char="•"/>
-            </a:pPr>
-            <a:r>
-              <a:rPr lang="en-US" sz="2000" dirty="0"/>
+            <a:pPr lvl="1"/>
+            <a:r>
+              <a:rPr lang="en-US" sz="1800" dirty="0"/>
               <a:t>Peer pressure regulation</a:t>
             </a:r>
           </a:p>
           <a:p>
-            <a:pPr>
-              <a:buFont typeface="Arial" panose="020B0604020202020204" pitchFamily="34" charset="0"/>
-              <a:buChar char="•"/>
-            </a:pPr>
-            <a:r>
-              <a:rPr lang="en-US" sz="2000" dirty="0"/>
+            <a:pPr lvl="1"/>
+            <a:r>
+              <a:rPr lang="en-US" sz="1800" dirty="0"/>
               <a:t>External enforcement</a:t>
             </a:r>
           </a:p>
           <a:p>
-            <a:pPr>
-              <a:buFont typeface="Arial" panose="020B0604020202020204" pitchFamily="34" charset="0"/>
-              <a:buChar char="•"/>
-            </a:pPr>
-            <a:r>
-              <a:rPr lang="en-US" sz="2000" dirty="0"/>
+            <a:pPr lvl="1"/>
+            <a:r>
+              <a:rPr lang="en-US" sz="1800" dirty="0"/>
               <a:t>Group dynamics</a:t>
             </a:r>
-            <a:endParaRPr lang="en-US" sz="1400" dirty="0"/>
+            <a:endParaRPr lang="en-US" sz="1050" dirty="0"/>
           </a:p>
         </p:txBody>
       </p:sp>
@@ -6180,7 +6577,7 @@
           <p:nvPr/>
         </p:nvPicPr>
         <p:blipFill>
-          <a:blip r:embed="rId2">
+          <a:blip r:embed="rId3">
             <a:extLst>
               <a:ext uri="{28A0092B-C50C-407E-A947-70E740481C1C}">
                 <a14:useLocalDpi xmlns:a14="http://schemas.microsoft.com/office/drawing/2010/main" val="0"/>
@@ -6339,12 +6736,12 @@
         <p:spPr>
           <a:xfrm>
             <a:off x="838200" y="1235567"/>
-            <a:ext cx="5878484" cy="4351338"/>
+            <a:ext cx="5013960" cy="4782848"/>
           </a:xfrm>
         </p:spPr>
         <p:txBody>
           <a:bodyPr>
-            <a:normAutofit/>
+            <a:normAutofit lnSpcReduction="10000"/>
           </a:bodyPr>
           <a:lstStyle/>
           <a:p>
@@ -6422,6 +6819,24 @@
             </a:r>
           </a:p>
           <a:p>
+            <a:pPr lvl="1"/>
+            <a:r>
+              <a:rPr lang="en-US" sz="1800" dirty="0"/>
+              <a:t>Rising: 0:00–6:00 and 12:00–18:00</a:t>
+            </a:r>
+          </a:p>
+          <a:p>
+            <a:pPr lvl="1"/>
+            <a:r>
+              <a:rPr lang="en-US" sz="1800" dirty="0"/>
+              <a:t>Falling: </a:t>
+            </a:r>
+            <a:r>
+              <a:rPr lang="en-US" sz="1600" dirty="0"/>
+              <a:t>6:00–12:00 and 18:00–24:00</a:t>
+            </a:r>
+          </a:p>
+          <a:p>
             <a:pPr>
               <a:buFont typeface="Arial" panose="020B0604020202020204" pitchFamily="34" charset="0"/>
               <a:buChar char="•"/>
@@ -6432,6 +6847,16 @@
             </a:r>
           </a:p>
           <a:p>
+            <a:pPr>
+              <a:buFont typeface="Arial" panose="020B0604020202020204" pitchFamily="34" charset="0"/>
+              <a:buChar char="•"/>
+            </a:pPr>
+            <a:r>
+              <a:rPr lang="en-US" sz="2000" dirty="0"/>
+              <a:t>Water depth calculations and beach topography</a:t>
+            </a:r>
+          </a:p>
+          <a:p>
             <a:pPr marL="0" indent="0">
               <a:buNone/>
             </a:pPr>
@@ -6464,7 +6889,7 @@
               <a:rPr lang="en-US" smtClean="0"/>
               <a:t>January 25</a:t>
             </a:fld>
-            <a:endParaRPr lang="en-US"/>
+            <a:endParaRPr lang="en-US" dirty="0"/>
           </a:p>
         </p:txBody>
       </p:sp>
@@ -6512,7 +6937,7 @@
           <p:nvPr/>
         </p:nvPicPr>
         <p:blipFill>
-          <a:blip r:embed="rId2"/>
+          <a:blip r:embed="rId3"/>
           <a:stretch>
             <a:fillRect/>
           </a:stretch>
@@ -6542,7 +6967,7 @@
           <p:nvPr/>
         </p:nvPicPr>
         <p:blipFill>
-          <a:blip r:embed="rId3"/>
+          <a:blip r:embed="rId4"/>
           <a:stretch>
             <a:fillRect/>
           </a:stretch>
@@ -6572,7 +6997,7 @@
           <p:nvPr/>
         </p:nvPicPr>
         <p:blipFill>
-          <a:blip r:embed="rId4"/>
+          <a:blip r:embed="rId5"/>
           <a:stretch>
             <a:fillRect/>
           </a:stretch>
@@ -6602,7 +7027,7 @@
           <p:nvPr/>
         </p:nvPicPr>
         <p:blipFill>
-          <a:blip r:embed="rId5">
+          <a:blip r:embed="rId6">
             <a:extLst>
               <a:ext uri="{28A0092B-C50C-407E-A947-70E740481C1C}">
                 <a14:useLocalDpi xmlns:a14="http://schemas.microsoft.com/office/drawing/2010/main" val="0"/>
@@ -6655,6 +7080,350 @@
       </p:grpSpPr>
       <p:sp>
         <p:nvSpPr>
+          <p:cNvPr id="2" name="Title 1">
+            <a:extLst>
+              <a:ext uri="{FF2B5EF4-FFF2-40B4-BE49-F238E27FC236}">
+                <a16:creationId xmlns:a16="http://schemas.microsoft.com/office/drawing/2014/main" id="{61030E44-91FE-4A90-B393-4F12F5B50C93}"/>
+              </a:ext>
+            </a:extLst>
+          </p:cNvPr>
+          <p:cNvSpPr>
+            <a:spLocks noGrp="1"/>
+          </p:cNvSpPr>
+          <p:nvPr>
+            <p:ph type="title"/>
+          </p:nvPr>
+        </p:nvSpPr>
+        <p:spPr>
+          <a:xfrm>
+            <a:off x="269864" y="68261"/>
+            <a:ext cx="10515600" cy="669533"/>
+          </a:xfrm>
+        </p:spPr>
+        <p:txBody>
+          <a:bodyPr>
+            <a:normAutofit/>
+          </a:bodyPr>
+          <a:lstStyle/>
+          <a:p>
+            <a:r>
+              <a:rPr lang="en-US" sz="3200" b="1" dirty="0"/>
+              <a:t>Mechanisms - Environment</a:t>
+            </a:r>
+          </a:p>
+        </p:txBody>
+      </p:sp>
+      <p:sp>
+        <p:nvSpPr>
+          <p:cNvPr id="3" name="Content Placeholder 2">
+            <a:extLst>
+              <a:ext uri="{FF2B5EF4-FFF2-40B4-BE49-F238E27FC236}">
+                <a16:creationId xmlns:a16="http://schemas.microsoft.com/office/drawing/2014/main" id="{B2C43B46-9BCB-42ED-8C30-1D55D09123BF}"/>
+              </a:ext>
+            </a:extLst>
+          </p:cNvPr>
+          <p:cNvSpPr>
+            <a:spLocks noGrp="1"/>
+          </p:cNvSpPr>
+          <p:nvPr>
+            <p:ph idx="1"/>
+          </p:nvPr>
+        </p:nvSpPr>
+        <p:spPr>
+          <a:xfrm>
+            <a:off x="838200" y="1235567"/>
+            <a:ext cx="5013960" cy="4782848"/>
+          </a:xfrm>
+        </p:spPr>
+        <p:txBody>
+          <a:bodyPr>
+            <a:normAutofit/>
+          </a:bodyPr>
+          <a:lstStyle/>
+          <a:p>
+            <a:pPr marL="0" indent="0">
+              <a:buNone/>
+            </a:pPr>
+            <a:r>
+              <a:rPr lang="en-US" sz="2000" b="1" dirty="0"/>
+              <a:t>Driftwood</a:t>
+            </a:r>
+          </a:p>
+          <a:p>
+            <a:pPr>
+              <a:buFont typeface="Arial" panose="020B0604020202020204" pitchFamily="34" charset="0"/>
+              <a:buChar char="•"/>
+            </a:pPr>
+            <a:r>
+              <a:rPr lang="en-US" sz="2000" dirty="0"/>
+              <a:t>3 sizes:</a:t>
+            </a:r>
+          </a:p>
+          <a:p>
+            <a:pPr lvl="1"/>
+            <a:r>
+              <a:rPr lang="en-US" sz="1800" dirty="0"/>
+              <a:t>Large: 5</a:t>
+            </a:r>
+          </a:p>
+          <a:p>
+            <a:pPr lvl="1"/>
+            <a:r>
+              <a:rPr lang="en-US" sz="1800" dirty="0"/>
+              <a:t>Medium: 3</a:t>
+            </a:r>
+          </a:p>
+          <a:p>
+            <a:pPr lvl="1"/>
+            <a:r>
+              <a:rPr lang="en-US" sz="1800" dirty="0"/>
+              <a:t>Small: 1</a:t>
+            </a:r>
+          </a:p>
+          <a:p>
+            <a:pPr>
+              <a:buFont typeface="Arial" panose="020B0604020202020204" pitchFamily="34" charset="0"/>
+              <a:buChar char="•"/>
+            </a:pPr>
+            <a:r>
+              <a:rPr lang="en-US" sz="2000" dirty="0"/>
+              <a:t>Tide influenced movement</a:t>
+            </a:r>
+          </a:p>
+          <a:p>
+            <a:pPr>
+              <a:buFont typeface="Arial" panose="020B0604020202020204" pitchFamily="34" charset="0"/>
+              <a:buChar char="•"/>
+            </a:pPr>
+            <a:r>
+              <a:rPr lang="en-US" sz="2000" dirty="0"/>
+              <a:t>Wave influenced movement</a:t>
+            </a:r>
+          </a:p>
+          <a:p>
+            <a:pPr marL="0" indent="0">
+              <a:buNone/>
+            </a:pPr>
+            <a:endParaRPr lang="en-US" sz="2000" dirty="0"/>
+          </a:p>
+        </p:txBody>
+      </p:sp>
+      <p:sp>
+        <p:nvSpPr>
+          <p:cNvPr id="4" name="Date Placeholder 3">
+            <a:extLst>
+              <a:ext uri="{FF2B5EF4-FFF2-40B4-BE49-F238E27FC236}">
+                <a16:creationId xmlns:a16="http://schemas.microsoft.com/office/drawing/2014/main" id="{FFF0597B-C9E6-49A5-9D56-ADDC58D697CB}"/>
+              </a:ext>
+            </a:extLst>
+          </p:cNvPr>
+          <p:cNvSpPr>
+            <a:spLocks noGrp="1"/>
+          </p:cNvSpPr>
+          <p:nvPr>
+            <p:ph type="dt" sz="half" idx="10"/>
+          </p:nvPr>
+        </p:nvSpPr>
+        <p:spPr/>
+        <p:txBody>
+          <a:bodyPr/>
+          <a:lstStyle/>
+          <a:p>
+            <a:fld id="{B273F60B-DA6F-4FD2-A119-A06A982246F2}" type="datetime6">
+              <a:rPr lang="en-US" smtClean="0"/>
+              <a:t>January 25</a:t>
+            </a:fld>
+            <a:endParaRPr lang="en-US" dirty="0"/>
+          </a:p>
+        </p:txBody>
+      </p:sp>
+      <p:sp>
+        <p:nvSpPr>
+          <p:cNvPr id="5" name="Slide Number Placeholder 4">
+            <a:extLst>
+              <a:ext uri="{FF2B5EF4-FFF2-40B4-BE49-F238E27FC236}">
+                <a16:creationId xmlns:a16="http://schemas.microsoft.com/office/drawing/2014/main" id="{A6212BA0-450C-441C-9AA8-8346EBF61034}"/>
+              </a:ext>
+            </a:extLst>
+          </p:cNvPr>
+          <p:cNvSpPr>
+            <a:spLocks noGrp="1"/>
+          </p:cNvSpPr>
+          <p:nvPr>
+            <p:ph type="sldNum" sz="quarter" idx="12"/>
+          </p:nvPr>
+        </p:nvSpPr>
+        <p:spPr/>
+        <p:txBody>
+          <a:bodyPr/>
+          <a:lstStyle/>
+          <a:p>
+            <a:fld id="{9EAF7D0F-23B8-4AC8-8A86-67C31C58A720}" type="slidenum">
+              <a:rPr lang="en-US" smtClean="0"/>
+              <a:t>5</a:t>
+            </a:fld>
+            <a:endParaRPr lang="en-US"/>
+          </a:p>
+        </p:txBody>
+      </p:sp>
+      <p:pic>
+        <p:nvPicPr>
+          <p:cNvPr id="8" name="Picture 7">
+            <a:extLst>
+              <a:ext uri="{FF2B5EF4-FFF2-40B4-BE49-F238E27FC236}">
+                <a16:creationId xmlns:a16="http://schemas.microsoft.com/office/drawing/2014/main" id="{F880734A-3FD3-4FA9-B722-3C3419D3634B}"/>
+              </a:ext>
+            </a:extLst>
+          </p:cNvPr>
+          <p:cNvPicPr>
+            <a:picLocks noChangeAspect="1"/>
+          </p:cNvPicPr>
+          <p:nvPr/>
+        </p:nvPicPr>
+        <p:blipFill>
+          <a:blip r:embed="rId2"/>
+          <a:stretch>
+            <a:fillRect/>
+          </a:stretch>
+        </p:blipFill>
+        <p:spPr>
+          <a:xfrm>
+            <a:off x="5990704" y="862524"/>
+            <a:ext cx="5363096" cy="5369095"/>
+          </a:xfrm>
+          <a:prstGeom prst="rect">
+            <a:avLst/>
+          </a:prstGeom>
+        </p:spPr>
+      </p:pic>
+      <p:pic>
+        <p:nvPicPr>
+          <p:cNvPr id="9" name="Picture 8">
+            <a:extLst>
+              <a:ext uri="{FF2B5EF4-FFF2-40B4-BE49-F238E27FC236}">
+                <a16:creationId xmlns:a16="http://schemas.microsoft.com/office/drawing/2014/main" id="{1FC1C8A2-F5F7-48D7-9728-A81059137570}"/>
+              </a:ext>
+            </a:extLst>
+          </p:cNvPr>
+          <p:cNvPicPr>
+            <a:picLocks noChangeAspect="1"/>
+          </p:cNvPicPr>
+          <p:nvPr/>
+        </p:nvPicPr>
+        <p:blipFill>
+          <a:blip r:embed="rId3"/>
+          <a:stretch>
+            <a:fillRect/>
+          </a:stretch>
+        </p:blipFill>
+        <p:spPr>
+          <a:xfrm>
+            <a:off x="7316201" y="999213"/>
+            <a:ext cx="1019931" cy="5169038"/>
+          </a:xfrm>
+          <a:prstGeom prst="rect">
+            <a:avLst/>
+          </a:prstGeom>
+        </p:spPr>
+      </p:pic>
+      <p:pic>
+        <p:nvPicPr>
+          <p:cNvPr id="11" name="Picture 10">
+            <a:extLst>
+              <a:ext uri="{FF2B5EF4-FFF2-40B4-BE49-F238E27FC236}">
+                <a16:creationId xmlns:a16="http://schemas.microsoft.com/office/drawing/2014/main" id="{91B9630E-39D9-4A47-AA5A-CFAA46413B98}"/>
+              </a:ext>
+            </a:extLst>
+          </p:cNvPr>
+          <p:cNvPicPr>
+            <a:picLocks noChangeAspect="1"/>
+          </p:cNvPicPr>
+          <p:nvPr/>
+        </p:nvPicPr>
+        <p:blipFill>
+          <a:blip r:embed="rId4"/>
+          <a:stretch>
+            <a:fillRect/>
+          </a:stretch>
+        </p:blipFill>
+        <p:spPr>
+          <a:xfrm>
+            <a:off x="6716684" y="999213"/>
+            <a:ext cx="390576" cy="3687498"/>
+          </a:xfrm>
+          <a:prstGeom prst="rect">
+            <a:avLst/>
+          </a:prstGeom>
+        </p:spPr>
+      </p:pic>
+      <p:pic>
+        <p:nvPicPr>
+          <p:cNvPr id="12" name="Picture 11">
+            <a:extLst>
+              <a:ext uri="{FF2B5EF4-FFF2-40B4-BE49-F238E27FC236}">
+                <a16:creationId xmlns:a16="http://schemas.microsoft.com/office/drawing/2014/main" id="{641802A4-B0F3-4D8C-B9B2-BDBFE0E50C5C}"/>
+              </a:ext>
+            </a:extLst>
+          </p:cNvPr>
+          <p:cNvPicPr>
+            <a:picLocks noChangeAspect="1"/>
+          </p:cNvPicPr>
+          <p:nvPr/>
+        </p:nvPicPr>
+        <p:blipFill>
+          <a:blip r:embed="rId5">
+            <a:extLst>
+              <a:ext uri="{28A0092B-C50C-407E-A947-70E740481C1C}">
+                <a14:useLocalDpi xmlns:a14="http://schemas.microsoft.com/office/drawing/2010/main" val="0"/>
+              </a:ext>
+            </a:extLst>
+          </a:blip>
+          <a:stretch>
+            <a:fillRect/>
+          </a:stretch>
+        </p:blipFill>
+        <p:spPr>
+          <a:xfrm>
+            <a:off x="11061576" y="0"/>
+            <a:ext cx="1084449" cy="466123"/>
+          </a:xfrm>
+          <a:prstGeom prst="rect">
+            <a:avLst/>
+          </a:prstGeom>
+        </p:spPr>
+      </p:pic>
+    </p:spTree>
+    <p:extLst>
+      <p:ext uri="{BB962C8B-B14F-4D97-AF65-F5344CB8AC3E}">
+        <p14:creationId xmlns:p14="http://schemas.microsoft.com/office/powerpoint/2010/main" val="2779005502"/>
+      </p:ext>
+    </p:extLst>
+  </p:cSld>
+  <p:clrMapOvr>
+    <a:masterClrMapping/>
+  </p:clrMapOvr>
+</p:sld>
+</file>
+
+<file path=ppt/slides/slide6.xml><?xml version="1.0" encoding="utf-8"?>
+<p:sld xmlns:a="http://schemas.openxmlformats.org/drawingml/2006/main" xmlns:r="http://schemas.openxmlformats.org/officeDocument/2006/relationships" xmlns:p="http://schemas.openxmlformats.org/presentationml/2006/main">
+  <p:cSld>
+    <p:spTree>
+      <p:nvGrpSpPr>
+        <p:cNvPr id="1" name=""/>
+        <p:cNvGrpSpPr/>
+        <p:nvPr/>
+      </p:nvGrpSpPr>
+      <p:grpSpPr>
+        <a:xfrm>
+          <a:off x="0" y="0"/>
+          <a:ext cx="0" cy="0"/>
+          <a:chOff x="0" y="0"/>
+          <a:chExt cx="0" cy="0"/>
+        </a:xfrm>
+      </p:grpSpPr>
+      <p:sp>
+        <p:nvSpPr>
           <p:cNvPr id="4" name="Date Placeholder 3">
             <a:extLst>
               <a:ext uri="{FF2B5EF4-FFF2-40B4-BE49-F238E27FC236}">
@@ -6705,7 +7474,7 @@
           <a:p>
             <a:fld id="{9EAF7D0F-23B8-4AC8-8A86-67C31C58A720}" type="slidenum">
               <a:rPr lang="en-US" smtClean="0"/>
-              <a:t>5</a:t>
+              <a:t>6</a:t>
             </a:fld>
             <a:endParaRPr lang="en-US"/>
           </a:p>
@@ -7121,7 +7890,7 @@
 </p:sld>
 </file>
 
-<file path=ppt/slides/slide6.xml><?xml version="1.0" encoding="utf-8"?>
+<file path=ppt/slides/slide7.xml><?xml version="1.0" encoding="utf-8"?>
 <p:sld xmlns:a="http://schemas.openxmlformats.org/drawingml/2006/main" xmlns:r="http://schemas.openxmlformats.org/officeDocument/2006/relationships" xmlns:p="http://schemas.openxmlformats.org/presentationml/2006/main">
   <p:cSld>
     <p:spTree>
@@ -7190,7 +7959,7 @@
           <a:p>
             <a:fld id="{9EAF7D0F-23B8-4AC8-8A86-67C31C58A720}" type="slidenum">
               <a:rPr lang="en-US" smtClean="0"/>
-              <a:t>6</a:t>
+              <a:t>7</a:t>
             </a:fld>
             <a:endParaRPr lang="en-US"/>
           </a:p>
@@ -7319,7 +8088,7 @@
 </p:sld>
 </file>
 
-<file path=ppt/slides/slide7.xml><?xml version="1.0" encoding="utf-8"?>
+<file path=ppt/slides/slide8.xml><?xml version="1.0" encoding="utf-8"?>
 <p:sld xmlns:a="http://schemas.openxmlformats.org/drawingml/2006/main" xmlns:r="http://schemas.openxmlformats.org/officeDocument/2006/relationships" xmlns:p="http://schemas.openxmlformats.org/presentationml/2006/main">
   <p:cSld>
     <p:spTree>
@@ -7388,7 +8157,7 @@
           <a:p>
             <a:fld id="{9EAF7D0F-23B8-4AC8-8A86-67C31C58A720}" type="slidenum">
               <a:rPr lang="en-US" smtClean="0"/>
-              <a:t>7</a:t>
+              <a:t>8</a:t>
             </a:fld>
             <a:endParaRPr lang="en-US"/>
           </a:p>
@@ -7517,7 +8286,7 @@
 </p:sld>
 </file>
 
-<file path=ppt/slides/slide8.xml><?xml version="1.0" encoding="utf-8"?>
+<file path=ppt/slides/slide9.xml><?xml version="1.0" encoding="utf-8"?>
 <p:sld xmlns:a="http://schemas.openxmlformats.org/drawingml/2006/main" xmlns:r="http://schemas.openxmlformats.org/officeDocument/2006/relationships" xmlns:p="http://schemas.openxmlformats.org/presentationml/2006/main">
   <p:cSld>
     <p:spTree>
@@ -7586,7 +8355,7 @@
           <a:p>
             <a:fld id="{9EAF7D0F-23B8-4AC8-8A86-67C31C58A720}" type="slidenum">
               <a:rPr lang="en-US" smtClean="0"/>
-              <a:t>8</a:t>
+              <a:t>9</a:t>
             </a:fld>
             <a:endParaRPr lang="en-US"/>
           </a:p>
@@ -8003,204 +8772,6 @@
     <p:extLst>
       <p:ext uri="{BB962C8B-B14F-4D97-AF65-F5344CB8AC3E}">
         <p14:creationId xmlns:p14="http://schemas.microsoft.com/office/powerpoint/2010/main" val="2932924933"/>
-      </p:ext>
-    </p:extLst>
-  </p:cSld>
-  <p:clrMapOvr>
-    <a:masterClrMapping/>
-  </p:clrMapOvr>
-</p:sld>
-</file>
-
-<file path=ppt/slides/slide9.xml><?xml version="1.0" encoding="utf-8"?>
-<p:sld xmlns:a="http://schemas.openxmlformats.org/drawingml/2006/main" xmlns:r="http://schemas.openxmlformats.org/officeDocument/2006/relationships" xmlns:p="http://schemas.openxmlformats.org/presentationml/2006/main">
-  <p:cSld>
-    <p:spTree>
-      <p:nvGrpSpPr>
-        <p:cNvPr id="1" name=""/>
-        <p:cNvGrpSpPr/>
-        <p:nvPr/>
-      </p:nvGrpSpPr>
-      <p:grpSpPr>
-        <a:xfrm>
-          <a:off x="0" y="0"/>
-          <a:ext cx="0" cy="0"/>
-          <a:chOff x="0" y="0"/>
-          <a:chExt cx="0" cy="0"/>
-        </a:xfrm>
-      </p:grpSpPr>
-      <p:sp>
-        <p:nvSpPr>
-          <p:cNvPr id="4" name="Date Placeholder 3">
-            <a:extLst>
-              <a:ext uri="{FF2B5EF4-FFF2-40B4-BE49-F238E27FC236}">
-                <a16:creationId xmlns:a16="http://schemas.microsoft.com/office/drawing/2014/main" id="{FFF0597B-C9E6-49A5-9D56-ADDC58D697CB}"/>
-              </a:ext>
-            </a:extLst>
-          </p:cNvPr>
-          <p:cNvSpPr>
-            <a:spLocks noGrp="1"/>
-          </p:cNvSpPr>
-          <p:nvPr>
-            <p:ph type="dt" sz="half" idx="10"/>
-          </p:nvPr>
-        </p:nvSpPr>
-        <p:spPr/>
-        <p:txBody>
-          <a:bodyPr/>
-          <a:lstStyle/>
-          <a:p>
-            <a:fld id="{B273F60B-DA6F-4FD2-A119-A06A982246F2}" type="datetime6">
-              <a:rPr lang="en-US" smtClean="0"/>
-              <a:t>January 25</a:t>
-            </a:fld>
-            <a:endParaRPr lang="en-US"/>
-          </a:p>
-        </p:txBody>
-      </p:sp>
-      <p:sp>
-        <p:nvSpPr>
-          <p:cNvPr id="5" name="Slide Number Placeholder 4">
-            <a:extLst>
-              <a:ext uri="{FF2B5EF4-FFF2-40B4-BE49-F238E27FC236}">
-                <a16:creationId xmlns:a16="http://schemas.microsoft.com/office/drawing/2014/main" id="{A6212BA0-450C-441C-9AA8-8346EBF61034}"/>
-              </a:ext>
-            </a:extLst>
-          </p:cNvPr>
-          <p:cNvSpPr>
-            <a:spLocks noGrp="1"/>
-          </p:cNvSpPr>
-          <p:nvPr>
-            <p:ph type="sldNum" sz="quarter" idx="12"/>
-          </p:nvPr>
-        </p:nvSpPr>
-        <p:spPr/>
-        <p:txBody>
-          <a:bodyPr/>
-          <a:lstStyle/>
-          <a:p>
-            <a:fld id="{9EAF7D0F-23B8-4AC8-8A86-67C31C58A720}" type="slidenum">
-              <a:rPr lang="en-US" smtClean="0"/>
-              <a:t>9</a:t>
-            </a:fld>
-            <a:endParaRPr lang="en-US"/>
-          </a:p>
-        </p:txBody>
-      </p:sp>
-      <p:sp>
-        <p:nvSpPr>
-          <p:cNvPr id="12" name="Title 1">
-            <a:extLst>
-              <a:ext uri="{FF2B5EF4-FFF2-40B4-BE49-F238E27FC236}">
-                <a16:creationId xmlns:a16="http://schemas.microsoft.com/office/drawing/2014/main" id="{6B9AA939-08B8-4A06-AFAD-28B1582048FA}"/>
-              </a:ext>
-            </a:extLst>
-          </p:cNvPr>
-          <p:cNvSpPr>
-            <a:spLocks noGrp="1"/>
-          </p:cNvSpPr>
-          <p:nvPr>
-            <p:ph type="title"/>
-          </p:nvPr>
-        </p:nvSpPr>
-        <p:spPr>
-          <a:xfrm>
-            <a:off x="269864" y="68261"/>
-            <a:ext cx="10515600" cy="669533"/>
-          </a:xfrm>
-        </p:spPr>
-        <p:txBody>
-          <a:bodyPr>
-            <a:normAutofit/>
-          </a:bodyPr>
-          <a:lstStyle/>
-          <a:p>
-            <a:r>
-              <a:rPr lang="en-US" sz="3200" b="1" kern="1200" dirty="0">
-                <a:solidFill>
-                  <a:srgbClr val="000000"/>
-                </a:solidFill>
-                <a:effectLst/>
-                <a:latin typeface="Calibri Light" panose="020F0302020204030204" pitchFamily="34" charset="0"/>
-                <a:ea typeface="+mj-ea"/>
-                <a:cs typeface="+mj-cs"/>
-              </a:rPr>
-              <a:t>Ext2: External Enforcement – Analysis </a:t>
-            </a:r>
-            <a:endParaRPr lang="en-US" sz="8800" b="1" dirty="0"/>
-          </a:p>
-        </p:txBody>
-      </p:sp>
-      <p:pic>
-        <p:nvPicPr>
-          <p:cNvPr id="13" name="Picture 12">
-            <a:extLst>
-              <a:ext uri="{FF2B5EF4-FFF2-40B4-BE49-F238E27FC236}">
-                <a16:creationId xmlns:a16="http://schemas.microsoft.com/office/drawing/2014/main" id="{2A259B3A-901E-4FCA-ADA9-56279C237D39}"/>
-              </a:ext>
-            </a:extLst>
-          </p:cNvPr>
-          <p:cNvPicPr>
-            <a:picLocks noChangeAspect="1"/>
-          </p:cNvPicPr>
-          <p:nvPr/>
-        </p:nvPicPr>
-        <p:blipFill>
-          <a:blip r:embed="rId2">
-            <a:extLst>
-              <a:ext uri="{28A0092B-C50C-407E-A947-70E740481C1C}">
-                <a14:useLocalDpi xmlns:a14="http://schemas.microsoft.com/office/drawing/2010/main" val="0"/>
-              </a:ext>
-            </a:extLst>
-          </a:blip>
-          <a:stretch>
-            <a:fillRect/>
-          </a:stretch>
-        </p:blipFill>
-        <p:spPr>
-          <a:xfrm>
-            <a:off x="11061576" y="0"/>
-            <a:ext cx="1084449" cy="466123"/>
-          </a:xfrm>
-          <a:prstGeom prst="rect">
-            <a:avLst/>
-          </a:prstGeom>
-        </p:spPr>
-      </p:pic>
-      <p:pic>
-        <p:nvPicPr>
-          <p:cNvPr id="3" name="Picture 2">
-            <a:extLst>
-              <a:ext uri="{FF2B5EF4-FFF2-40B4-BE49-F238E27FC236}">
-                <a16:creationId xmlns:a16="http://schemas.microsoft.com/office/drawing/2014/main" id="{EAF99C6A-CF63-4307-8CDB-FF999E213295}"/>
-              </a:ext>
-            </a:extLst>
-          </p:cNvPr>
-          <p:cNvPicPr>
-            <a:picLocks noChangeAspect="1"/>
-          </p:cNvPicPr>
-          <p:nvPr/>
-        </p:nvPicPr>
-        <p:blipFill>
-          <a:blip r:embed="rId3"/>
-          <a:stretch>
-            <a:fillRect/>
-          </a:stretch>
-        </p:blipFill>
-        <p:spPr>
-          <a:xfrm>
-            <a:off x="346229" y="824066"/>
-            <a:ext cx="11499542" cy="5209868"/>
-          </a:xfrm>
-          <a:prstGeom prst="rect">
-            <a:avLst/>
-          </a:prstGeom>
-        </p:spPr>
-      </p:pic>
-    </p:spTree>
-    <p:extLst>
-      <p:ext uri="{BB962C8B-B14F-4D97-AF65-F5344CB8AC3E}">
-        <p14:creationId xmlns:p14="http://schemas.microsoft.com/office/powerpoint/2010/main" val="2804726908"/>
       </p:ext>
     </p:extLst>
   </p:cSld>

--- a/PROJECT/REPORT/GAMA_Presentation.pptx
+++ b/PROJECT/REPORT/GAMA_Presentation.pptx
@@ -4169,6 +4169,41 @@
               <a:rPr lang="en-US" dirty="0"/>
               <a:t>Modeling and Simulation of Complex Systems</a:t>
             </a:r>
+          </a:p>
+          <a:p>
+            <a:r>
+              <a:rPr lang="en-US" sz="1600" dirty="0"/>
+              <a:t>Lecturer: Prof Alexis </a:t>
+            </a:r>
+            <a:r>
+              <a:rPr lang="en-US" sz="1600" dirty="0" err="1"/>
+              <a:t>Drogoul</a:t>
+            </a:r>
+            <a:r>
+              <a:rPr lang="en-US" sz="1600" dirty="0"/>
+              <a:t>, Arnaud </a:t>
+            </a:r>
+            <a:r>
+              <a:rPr lang="en-US" sz="1600" dirty="0" err="1"/>
+              <a:t>Grinard</a:t>
+            </a:r>
+            <a:r>
+              <a:rPr lang="en-US" sz="1600" dirty="0"/>
+              <a:t>, </a:t>
+            </a:r>
+            <a:r>
+              <a:rPr lang="en-US" sz="1600" dirty="0" err="1"/>
+              <a:t>Athur</a:t>
+            </a:r>
+            <a:r>
+              <a:rPr lang="en-US" sz="1600" dirty="0"/>
+              <a:t> </a:t>
+            </a:r>
+            <a:r>
+              <a:rPr lang="en-US" sz="1600" dirty="0" err="1"/>
+              <a:t>Bulgiere</a:t>
+            </a:r>
+            <a:endParaRPr lang="en-US" sz="1600" dirty="0"/>
           </a:p>
           <a:p>
             <a:endParaRPr lang="en-US" sz="1800" dirty="0"/>

--- a/PROJECT/REPORT/GAMA_Presentation.pptx
+++ b/PROJECT/REPORT/GAMA_Presentation.pptx
@@ -5114,7 +5114,7 @@
             </a:pPr>
             <a:r>
               <a:rPr lang="en-US" sz="2000" dirty="0"/>
-              <a:t>Perturbation testing</a:t>
+              <a:t>Regular system disruptions (every 500 cycles)</a:t>
             </a:r>
           </a:p>
           <a:p>
@@ -5124,7 +5124,7 @@
             </a:pPr>
             <a:r>
               <a:rPr lang="en-US" sz="2000" dirty="0"/>
-              <a:t>Recovery analysis</a:t>
+              <a:t>20% impact strength</a:t>
             </a:r>
           </a:p>
           <a:p>
@@ -5134,7 +5134,7 @@
             </a:pPr>
             <a:r>
               <a:rPr lang="en-US" sz="2000" dirty="0"/>
-              <a:t>Group vs. individual performance</a:t>
+              <a:t>Recovery period: 500 cycles</a:t>
             </a:r>
           </a:p>
           <a:p>
@@ -5144,7 +5144,7 @@
             </a:pPr>
             <a:r>
               <a:rPr lang="en-US" sz="2000" dirty="0"/>
-              <a:t>Stability metrics</a:t>
+              <a:t>Affects speed, capacity, and efficiency</a:t>
             </a:r>
           </a:p>
         </p:txBody>
